--- a/Recent Changes设计.pptx
+++ b/Recent Changes设计.pptx
@@ -3151,7 +3151,7 @@
         </p:nvSpPr>
         <p:spPr>
           <a:xfrm>
-            <a:off x="673100" y="916305"/>
+            <a:off x="441325" y="845820"/>
             <a:ext cx="6096000" cy="4799965"/>
           </a:xfrm>
           <a:prstGeom prst="rect">
